--- a/2) CSS/Ayudantía 2.pptx
+++ b/2) CSS/Ayudantía 2.pptx
@@ -124,6 +124,9 @@
         </p14:section>
       </p14:sectionLst>
     </p:ext>
+    <p:ext uri="{EFAFB233-063F-42B5-8137-9DF3F51BA10A}">
+      <p15:sldGuideLst xmlns:p15="http://schemas.microsoft.com/office/powerpoint/2012/main"/>
+    </p:ext>
   </p:extLst>
 </p:presentation>
 </file>
@@ -277,7 +280,7 @@
           <a:p>
             <a:fld id="{33240EC5-4D2B-4F54-AFB4-5C8389813794}" type="datetimeFigureOut">
               <a:rPr lang="es-CL" smtClean="0"/>
-              <a:t>30-08-2020</a:t>
+              <a:t>03-09-2020</a:t>
             </a:fld>
             <a:endParaRPr lang="es-CL"/>
           </a:p>
@@ -477,7 +480,7 @@
           <a:p>
             <a:fld id="{33240EC5-4D2B-4F54-AFB4-5C8389813794}" type="datetimeFigureOut">
               <a:rPr lang="es-CL" smtClean="0"/>
-              <a:t>30-08-2020</a:t>
+              <a:t>03-09-2020</a:t>
             </a:fld>
             <a:endParaRPr lang="es-CL"/>
           </a:p>
@@ -687,7 +690,7 @@
           <a:p>
             <a:fld id="{33240EC5-4D2B-4F54-AFB4-5C8389813794}" type="datetimeFigureOut">
               <a:rPr lang="es-CL" smtClean="0"/>
-              <a:t>30-08-2020</a:t>
+              <a:t>03-09-2020</a:t>
             </a:fld>
             <a:endParaRPr lang="es-CL"/>
           </a:p>
@@ -887,7 +890,7 @@
           <a:p>
             <a:fld id="{33240EC5-4D2B-4F54-AFB4-5C8389813794}" type="datetimeFigureOut">
               <a:rPr lang="es-CL" smtClean="0"/>
-              <a:t>30-08-2020</a:t>
+              <a:t>03-09-2020</a:t>
             </a:fld>
             <a:endParaRPr lang="es-CL"/>
           </a:p>
@@ -1163,7 +1166,7 @@
           <a:p>
             <a:fld id="{33240EC5-4D2B-4F54-AFB4-5C8389813794}" type="datetimeFigureOut">
               <a:rPr lang="es-CL" smtClean="0"/>
-              <a:t>30-08-2020</a:t>
+              <a:t>03-09-2020</a:t>
             </a:fld>
             <a:endParaRPr lang="es-CL"/>
           </a:p>
@@ -1431,7 +1434,7 @@
           <a:p>
             <a:fld id="{33240EC5-4D2B-4F54-AFB4-5C8389813794}" type="datetimeFigureOut">
               <a:rPr lang="es-CL" smtClean="0"/>
-              <a:t>30-08-2020</a:t>
+              <a:t>03-09-2020</a:t>
             </a:fld>
             <a:endParaRPr lang="es-CL"/>
           </a:p>
@@ -1846,7 +1849,7 @@
           <a:p>
             <a:fld id="{33240EC5-4D2B-4F54-AFB4-5C8389813794}" type="datetimeFigureOut">
               <a:rPr lang="es-CL" smtClean="0"/>
-              <a:t>30-08-2020</a:t>
+              <a:t>03-09-2020</a:t>
             </a:fld>
             <a:endParaRPr lang="es-CL"/>
           </a:p>
@@ -1988,7 +1991,7 @@
           <a:p>
             <a:fld id="{33240EC5-4D2B-4F54-AFB4-5C8389813794}" type="datetimeFigureOut">
               <a:rPr lang="es-CL" smtClean="0"/>
-              <a:t>30-08-2020</a:t>
+              <a:t>03-09-2020</a:t>
             </a:fld>
             <a:endParaRPr lang="es-CL"/>
           </a:p>
@@ -2101,7 +2104,7 @@
           <a:p>
             <a:fld id="{33240EC5-4D2B-4F54-AFB4-5C8389813794}" type="datetimeFigureOut">
               <a:rPr lang="es-CL" smtClean="0"/>
-              <a:t>30-08-2020</a:t>
+              <a:t>03-09-2020</a:t>
             </a:fld>
             <a:endParaRPr lang="es-CL"/>
           </a:p>
@@ -2414,7 +2417,7 @@
           <a:p>
             <a:fld id="{33240EC5-4D2B-4F54-AFB4-5C8389813794}" type="datetimeFigureOut">
               <a:rPr lang="es-CL" smtClean="0"/>
-              <a:t>30-08-2020</a:t>
+              <a:t>03-09-2020</a:t>
             </a:fld>
             <a:endParaRPr lang="es-CL"/>
           </a:p>
@@ -2703,7 +2706,7 @@
           <a:p>
             <a:fld id="{33240EC5-4D2B-4F54-AFB4-5C8389813794}" type="datetimeFigureOut">
               <a:rPr lang="es-CL" smtClean="0"/>
-              <a:t>30-08-2020</a:t>
+              <a:t>03-09-2020</a:t>
             </a:fld>
             <a:endParaRPr lang="es-CL"/>
           </a:p>
@@ -2946,7 +2949,7 @@
           <a:p>
             <a:fld id="{33240EC5-4D2B-4F54-AFB4-5C8389813794}" type="datetimeFigureOut">
               <a:rPr lang="es-CL" smtClean="0"/>
-              <a:t>30-08-2020</a:t>
+              <a:t>03-09-2020</a:t>
             </a:fld>
             <a:endParaRPr lang="es-CL"/>
           </a:p>
@@ -6914,7 +6917,7 @@
             </a:r>
             <a:r>
               <a:rPr lang="es-CL" dirty="0"/>
-              <a:t>} &lt;</a:t>
+              <a:t>} &lt;/</a:t>
             </a:r>
             <a:r>
               <a:rPr lang="es-CL" dirty="0" err="1">
